--- a/Solution_Design/Story Board/Storys/RA-35-Schwarzes Brett/Version 2. der Anwendung/RA-35-Schwarzes Brett.pptx
+++ b/Solution_Design/Story Board/Storys/RA-35-Schwarzes Brett/Version 2. der Anwendung/RA-35-Schwarzes Brett.pptx
@@ -16,6 +16,7 @@
     <p:sldId id="263" r:id="rId10"/>
     <p:sldId id="265" r:id="rId11"/>
     <p:sldId id="266" r:id="rId12"/>
+    <p:sldId id="267" r:id="rId13"/>
   </p:sldIdLst>
   <p:sldSz cx="12192000" cy="6858000"/>
   <p:notesSz cx="6858000" cy="9144000"/>
@@ -124,7 +125,7 @@
 
 <file path=ppt/commentAuthors.xml><?xml version="1.0" encoding="utf-8"?>
 <p:cmAuthorLst xmlns:a="http://schemas.openxmlformats.org/drawingml/2006/main" xmlns:r="http://schemas.openxmlformats.org/officeDocument/2006/relationships" xmlns:p="http://schemas.openxmlformats.org/presentationml/2006/main">
-  <p:cmAuthor id="1" name="Nico Remus" initials="NR" lastIdx="2" clrIdx="0">
+  <p:cmAuthor id="1" name="Nico Remus" initials="NR" lastIdx="5" clrIdx="0">
     <p:extLst>
       <p:ext uri="{19B8F6BF-5375-455C-9EA6-DF929625EA0E}">
         <p15:presenceInfo xmlns:p15="http://schemas.microsoft.com/office/powerpoint/2012/main" userId="Nico Remus" providerId="None"/>
@@ -139,6 +140,29 @@
   <p:cm authorId="1" dt="2015-12-02T11:12:35.050" idx="2">
     <p:pos x="6783" y="630"/>
     <p:text>Den Butten irgendwo positionieren. Falls NUR registrierte Vereine schreiben dürfen, darf dieser erst nach Login sichtbar sein</p:text>
+    <p:extLst>
+      <p:ext uri="{C676402C-5697-4E1C-873F-D02D1690AC5C}">
+        <p15:threadingInfo xmlns:p15="http://schemas.microsoft.com/office/powerpoint/2012/main" timeZoneBias="-60"/>
+      </p:ext>
+    </p:extLst>
+  </p:cm>
+</p:cmLst>
+</file>
+
+<file path=ppt/comments/comment2.xml><?xml version="1.0" encoding="utf-8"?>
+<p:cmLst xmlns:a="http://schemas.openxmlformats.org/drawingml/2006/main" xmlns:r="http://schemas.openxmlformats.org/officeDocument/2006/relationships" xmlns:p="http://schemas.openxmlformats.org/presentationml/2006/main">
+  <p:cm authorId="1" dt="2015-12-02T11:45:24.556" idx="4">
+    <p:pos x="5556" y="1514"/>
+    <p:text>Drag down</p:text>
+    <p:extLst>
+      <p:ext uri="{C676402C-5697-4E1C-873F-D02D1690AC5C}">
+        <p15:threadingInfo xmlns:p15="http://schemas.microsoft.com/office/powerpoint/2012/main" timeZoneBias="-60"/>
+      </p:ext>
+    </p:extLst>
+  </p:cm>
+  <p:cm authorId="1" dt="2015-12-02T11:46:07.312" idx="5">
+    <p:pos x="6783" y="1514"/>
+    <p:text>Textfelder, falls Location nicht existiert</p:text>
     <p:extLst>
       <p:ext uri="{C676402C-5697-4E1C-873F-D02D1690AC5C}">
         <p15:threadingInfo xmlns:p15="http://schemas.microsoft.com/office/powerpoint/2012/main" timeZoneBias="-60"/>
@@ -3326,11 +3350,7 @@
             <a:pPr algn="ctr"/>
             <a:r>
               <a:rPr lang="de-DE" dirty="0" smtClean="0"/>
-              <a:t>Titel </a:t>
-            </a:r>
-            <a:r>
-              <a:rPr lang="de-DE" dirty="0" smtClean="0"/>
-              <a:t>2</a:t>
+              <a:t>Titel 2</a:t>
             </a:r>
             <a:endParaRPr lang="de-DE" dirty="0"/>
           </a:p>
@@ -3374,11 +3394,7 @@
             <a:pPr algn="ctr"/>
             <a:r>
               <a:rPr lang="de-DE" dirty="0" smtClean="0"/>
-              <a:t>Titel </a:t>
-            </a:r>
-            <a:r>
-              <a:rPr lang="de-DE" dirty="0" smtClean="0"/>
-              <a:t>3</a:t>
+              <a:t>Titel 3</a:t>
             </a:r>
             <a:endParaRPr lang="de-DE" dirty="0"/>
           </a:p>
@@ -3578,6 +3594,834 @@
     <p:extLst>
       <p:ext uri="{BB962C8B-B14F-4D97-AF65-F5344CB8AC3E}">
         <p14:creationId xmlns:p14="http://schemas.microsoft.com/office/powerpoint/2010/main" val="2443536530"/>
+      </p:ext>
+    </p:extLst>
+  </p:cSld>
+  <p:clrMapOvr>
+    <a:masterClrMapping/>
+  </p:clrMapOvr>
+  <p:timing>
+    <p:tnLst>
+      <p:par>
+        <p:cTn id="1" dur="indefinite" restart="never" nodeType="tmRoot"/>
+      </p:par>
+    </p:tnLst>
+  </p:timing>
+</p:sld>
+</file>
+
+<file path=ppt/slides/slide12.xml><?xml version="1.0" encoding="utf-8"?>
+<p:sld xmlns:a="http://schemas.openxmlformats.org/drawingml/2006/main" xmlns:r="http://schemas.openxmlformats.org/officeDocument/2006/relationships" xmlns:p="http://schemas.openxmlformats.org/presentationml/2006/main">
+  <p:cSld>
+    <p:spTree>
+      <p:nvGrpSpPr>
+        <p:cNvPr id="1" name=""/>
+        <p:cNvGrpSpPr/>
+        <p:nvPr/>
+      </p:nvGrpSpPr>
+      <p:grpSpPr>
+        <a:xfrm>
+          <a:off x="0" y="0"/>
+          <a:ext cx="0" cy="0"/>
+          <a:chOff x="0" y="0"/>
+          <a:chExt cx="0" cy="0"/>
+        </a:xfrm>
+      </p:grpSpPr>
+      <p:sp>
+        <p:nvSpPr>
+          <p:cNvPr id="2" name="Titel 1"/>
+          <p:cNvSpPr>
+            <a:spLocks noGrp="1"/>
+          </p:cNvSpPr>
+          <p:nvPr>
+            <p:ph type="title"/>
+          </p:nvPr>
+        </p:nvSpPr>
+        <p:spPr/>
+        <p:txBody>
+          <a:bodyPr/>
+          <a:lstStyle/>
+          <a:p>
+            <a:r>
+              <a:rPr lang="de-DE" dirty="0" smtClean="0"/>
+              <a:t>Schwarzes Brett</a:t>
+            </a:r>
+            <a:endParaRPr lang="de-DE" dirty="0"/>
+          </a:p>
+        </p:txBody>
+      </p:sp>
+      <p:sp>
+        <p:nvSpPr>
+          <p:cNvPr id="3" name="Inhaltsplatzhalter 2"/>
+          <p:cNvSpPr>
+            <a:spLocks noGrp="1"/>
+          </p:cNvSpPr>
+          <p:nvPr>
+            <p:ph idx="1"/>
+          </p:nvPr>
+        </p:nvSpPr>
+        <p:spPr/>
+        <p:txBody>
+          <a:bodyPr/>
+          <a:lstStyle/>
+          <a:p>
+            <a:pPr marL="0" indent="0">
+              <a:buNone/>
+            </a:pPr>
+            <a:endParaRPr lang="de-DE" dirty="0"/>
+          </a:p>
+        </p:txBody>
+      </p:sp>
+      <p:pic>
+        <p:nvPicPr>
+          <p:cNvPr id="4" name="Grafik 3"/>
+          <p:cNvPicPr>
+            <a:picLocks noChangeAspect="1"/>
+          </p:cNvPicPr>
+          <p:nvPr/>
+        </p:nvPicPr>
+        <p:blipFill rotWithShape="1">
+          <a:blip r:embed="rId2"/>
+          <a:srcRect l="-21038" t="9181" r="50215" b="18768"/>
+          <a:stretch/>
+        </p:blipFill>
+        <p:spPr>
+          <a:xfrm>
+            <a:off x="-4541135" y="-23149"/>
+            <a:ext cx="15308722" cy="6157732"/>
+          </a:xfrm>
+          <a:prstGeom prst="rect">
+            <a:avLst/>
+          </a:prstGeom>
+        </p:spPr>
+      </p:pic>
+      <p:sp>
+        <p:nvSpPr>
+          <p:cNvPr id="5" name="Rechteck 4"/>
+          <p:cNvSpPr/>
+          <p:nvPr/>
+        </p:nvSpPr>
+        <p:spPr>
+          <a:xfrm>
+            <a:off x="7503526" y="1000426"/>
+            <a:ext cx="3264061" cy="324091"/>
+          </a:xfrm>
+          <a:prstGeom prst="rect">
+            <a:avLst/>
+          </a:prstGeom>
+        </p:spPr>
+        <p:style>
+          <a:lnRef idx="2">
+            <a:schemeClr val="accent1">
+              <a:shade val="50000"/>
+            </a:schemeClr>
+          </a:lnRef>
+          <a:fillRef idx="1">
+            <a:schemeClr val="accent1"/>
+          </a:fillRef>
+          <a:effectRef idx="0">
+            <a:schemeClr val="accent1"/>
+          </a:effectRef>
+          <a:fontRef idx="minor">
+            <a:schemeClr val="lt1"/>
+          </a:fontRef>
+        </p:style>
+        <p:txBody>
+          <a:bodyPr rtlCol="0" anchor="ctr"/>
+          <a:lstStyle/>
+          <a:p>
+            <a:pPr algn="ctr"/>
+            <a:r>
+              <a:rPr lang="de-DE" dirty="0" smtClean="0"/>
+              <a:t>Verfassen</a:t>
+            </a:r>
+            <a:endParaRPr lang="de-DE" dirty="0"/>
+          </a:p>
+        </p:txBody>
+      </p:sp>
+      <p:sp>
+        <p:nvSpPr>
+          <p:cNvPr id="9" name="Rechteck 8"/>
+          <p:cNvSpPr/>
+          <p:nvPr/>
+        </p:nvSpPr>
+        <p:spPr>
+          <a:xfrm>
+            <a:off x="7360534" y="230188"/>
+            <a:ext cx="3993266" cy="544010"/>
+          </a:xfrm>
+          <a:prstGeom prst="rect">
+            <a:avLst/>
+          </a:prstGeom>
+        </p:spPr>
+        <p:style>
+          <a:lnRef idx="2">
+            <a:schemeClr val="accent6"/>
+          </a:lnRef>
+          <a:fillRef idx="1">
+            <a:schemeClr val="lt1"/>
+          </a:fillRef>
+          <a:effectRef idx="0">
+            <a:schemeClr val="accent6"/>
+          </a:effectRef>
+          <a:fontRef idx="minor">
+            <a:schemeClr val="dk1"/>
+          </a:fontRef>
+        </p:style>
+        <p:txBody>
+          <a:bodyPr rtlCol="0" anchor="ctr"/>
+          <a:lstStyle/>
+          <a:p>
+            <a:pPr algn="ctr"/>
+            <a:r>
+              <a:rPr lang="de-DE" dirty="0" smtClean="0"/>
+              <a:t>Artikel anlegen</a:t>
+            </a:r>
+          </a:p>
+        </p:txBody>
+      </p:sp>
+      <p:sp>
+        <p:nvSpPr>
+          <p:cNvPr id="7" name="Rechteck 6"/>
+          <p:cNvSpPr/>
+          <p:nvPr/>
+        </p:nvSpPr>
+        <p:spPr>
+          <a:xfrm>
+            <a:off x="578734" y="3892230"/>
+            <a:ext cx="7986532" cy="2700598"/>
+          </a:xfrm>
+          <a:prstGeom prst="rect">
+            <a:avLst/>
+          </a:prstGeom>
+        </p:spPr>
+        <p:style>
+          <a:lnRef idx="2">
+            <a:schemeClr val="accent1">
+              <a:shade val="50000"/>
+            </a:schemeClr>
+          </a:lnRef>
+          <a:fillRef idx="1">
+            <a:schemeClr val="accent1"/>
+          </a:fillRef>
+          <a:effectRef idx="0">
+            <a:schemeClr val="accent1"/>
+          </a:effectRef>
+          <a:fontRef idx="minor">
+            <a:schemeClr val="lt1"/>
+          </a:fontRef>
+        </p:style>
+        <p:txBody>
+          <a:bodyPr rtlCol="0" anchor="ctr"/>
+          <a:lstStyle/>
+          <a:p>
+            <a:pPr algn="ctr"/>
+            <a:r>
+              <a:rPr lang="de-DE" dirty="0" err="1" smtClean="0"/>
+              <a:t>LongText-edit</a:t>
+            </a:r>
+            <a:endParaRPr lang="de-DE" dirty="0" smtClean="0"/>
+          </a:p>
+          <a:p>
+            <a:pPr algn="ctr"/>
+            <a:endParaRPr lang="de-DE" dirty="0"/>
+          </a:p>
+        </p:txBody>
+      </p:sp>
+      <p:sp>
+        <p:nvSpPr>
+          <p:cNvPr id="8" name="Rechteck 7"/>
+          <p:cNvSpPr/>
+          <p:nvPr/>
+        </p:nvSpPr>
+        <p:spPr>
+          <a:xfrm>
+            <a:off x="578734" y="2604303"/>
+            <a:ext cx="3264061" cy="324091"/>
+          </a:xfrm>
+          <a:prstGeom prst="rect">
+            <a:avLst/>
+          </a:prstGeom>
+        </p:spPr>
+        <p:style>
+          <a:lnRef idx="2">
+            <a:schemeClr val="accent1">
+              <a:shade val="50000"/>
+            </a:schemeClr>
+          </a:lnRef>
+          <a:fillRef idx="1">
+            <a:schemeClr val="accent1"/>
+          </a:fillRef>
+          <a:effectRef idx="0">
+            <a:schemeClr val="accent1"/>
+          </a:effectRef>
+          <a:fontRef idx="minor">
+            <a:schemeClr val="lt1"/>
+          </a:fontRef>
+        </p:style>
+        <p:txBody>
+          <a:bodyPr rtlCol="0" anchor="ctr"/>
+          <a:lstStyle/>
+          <a:p>
+            <a:pPr algn="ctr"/>
+            <a:r>
+              <a:rPr lang="de-DE" dirty="0" smtClean="0"/>
+              <a:t>Titel </a:t>
+            </a:r>
+            <a:r>
+              <a:rPr lang="de-DE" dirty="0" smtClean="0"/>
+              <a:t>1-edit</a:t>
+            </a:r>
+            <a:endParaRPr lang="de-DE" dirty="0"/>
+          </a:p>
+        </p:txBody>
+      </p:sp>
+      <p:sp>
+        <p:nvSpPr>
+          <p:cNvPr id="10" name="Rechteck 9"/>
+          <p:cNvSpPr/>
+          <p:nvPr/>
+        </p:nvSpPr>
+        <p:spPr>
+          <a:xfrm>
+            <a:off x="578734" y="2928394"/>
+            <a:ext cx="7986532" cy="682907"/>
+          </a:xfrm>
+          <a:prstGeom prst="rect">
+            <a:avLst/>
+          </a:prstGeom>
+        </p:spPr>
+        <p:style>
+          <a:lnRef idx="2">
+            <a:schemeClr val="accent1">
+              <a:shade val="50000"/>
+            </a:schemeClr>
+          </a:lnRef>
+          <a:fillRef idx="1">
+            <a:schemeClr val="accent1"/>
+          </a:fillRef>
+          <a:effectRef idx="0">
+            <a:schemeClr val="accent1"/>
+          </a:effectRef>
+          <a:fontRef idx="minor">
+            <a:schemeClr val="lt1"/>
+          </a:fontRef>
+        </p:style>
+        <p:txBody>
+          <a:bodyPr rtlCol="0" anchor="ctr"/>
+          <a:lstStyle/>
+          <a:p>
+            <a:pPr algn="ctr"/>
+            <a:r>
+              <a:rPr lang="de-DE" dirty="0" smtClean="0"/>
+              <a:t>Zusammenfassung </a:t>
+            </a:r>
+            <a:r>
+              <a:rPr lang="de-DE" dirty="0" smtClean="0"/>
+              <a:t>1-edit </a:t>
+            </a:r>
+            <a:endParaRPr lang="de-DE" dirty="0"/>
+          </a:p>
+        </p:txBody>
+      </p:sp>
+      <p:grpSp>
+        <p:nvGrpSpPr>
+          <p:cNvPr id="27" name="Gruppieren 26"/>
+          <p:cNvGrpSpPr/>
+          <p:nvPr/>
+        </p:nvGrpSpPr>
+        <p:grpSpPr>
+          <a:xfrm>
+            <a:off x="8819909" y="2078962"/>
+            <a:ext cx="1947678" cy="648182"/>
+            <a:chOff x="8819909" y="2078962"/>
+            <a:chExt cx="1947678" cy="648182"/>
+          </a:xfrm>
+        </p:grpSpPr>
+        <p:sp>
+          <p:nvSpPr>
+            <p:cNvPr id="12" name="Rechteck 11"/>
+            <p:cNvSpPr/>
+            <p:nvPr/>
+          </p:nvSpPr>
+          <p:spPr>
+            <a:xfrm>
+              <a:off x="8819910" y="2078962"/>
+              <a:ext cx="1947677" cy="324091"/>
+            </a:xfrm>
+            <a:prstGeom prst="rect">
+              <a:avLst/>
+            </a:prstGeom>
+          </p:spPr>
+          <p:style>
+            <a:lnRef idx="2">
+              <a:schemeClr val="accent1">
+                <a:shade val="50000"/>
+              </a:schemeClr>
+            </a:lnRef>
+            <a:fillRef idx="1">
+              <a:schemeClr val="accent1"/>
+            </a:fillRef>
+            <a:effectRef idx="0">
+              <a:schemeClr val="accent1"/>
+            </a:effectRef>
+            <a:fontRef idx="minor">
+              <a:schemeClr val="lt1"/>
+            </a:fontRef>
+          </p:style>
+          <p:txBody>
+            <a:bodyPr rtlCol="0" anchor="ctr"/>
+            <a:lstStyle/>
+            <a:p>
+              <a:pPr algn="ctr"/>
+              <a:r>
+                <a:rPr lang="de-DE" dirty="0" smtClean="0"/>
+                <a:t>Location 2</a:t>
+              </a:r>
+            </a:p>
+          </p:txBody>
+        </p:sp>
+        <p:sp>
+          <p:nvSpPr>
+            <p:cNvPr id="13" name="Rechteck 12"/>
+            <p:cNvSpPr/>
+            <p:nvPr/>
+          </p:nvSpPr>
+          <p:spPr>
+            <a:xfrm>
+              <a:off x="8819909" y="2403053"/>
+              <a:ext cx="1947677" cy="324091"/>
+            </a:xfrm>
+            <a:prstGeom prst="rect">
+              <a:avLst/>
+            </a:prstGeom>
+          </p:spPr>
+          <p:style>
+            <a:lnRef idx="2">
+              <a:schemeClr val="accent1">
+                <a:shade val="50000"/>
+              </a:schemeClr>
+            </a:lnRef>
+            <a:fillRef idx="1">
+              <a:schemeClr val="accent1"/>
+            </a:fillRef>
+            <a:effectRef idx="0">
+              <a:schemeClr val="accent1"/>
+            </a:effectRef>
+            <a:fontRef idx="minor">
+              <a:schemeClr val="lt1"/>
+            </a:fontRef>
+          </p:style>
+          <p:txBody>
+            <a:bodyPr rtlCol="0" anchor="ctr"/>
+            <a:lstStyle/>
+            <a:p>
+              <a:pPr algn="ctr"/>
+              <a:r>
+                <a:rPr lang="de-DE" dirty="0" smtClean="0"/>
+                <a:t>Location 3</a:t>
+              </a:r>
+            </a:p>
+          </p:txBody>
+        </p:sp>
+      </p:grpSp>
+      <p:grpSp>
+        <p:nvGrpSpPr>
+          <p:cNvPr id="26" name="Gruppieren 25"/>
+          <p:cNvGrpSpPr/>
+          <p:nvPr/>
+        </p:nvGrpSpPr>
+        <p:grpSpPr>
+          <a:xfrm>
+            <a:off x="6872230" y="1754871"/>
+            <a:ext cx="1947678" cy="972273"/>
+            <a:chOff x="6872230" y="1754871"/>
+            <a:chExt cx="1947678" cy="972273"/>
+          </a:xfrm>
+        </p:grpSpPr>
+        <p:sp>
+          <p:nvSpPr>
+            <p:cNvPr id="15" name="Rechteck 14"/>
+            <p:cNvSpPr/>
+            <p:nvPr/>
+          </p:nvSpPr>
+          <p:spPr>
+            <a:xfrm>
+              <a:off x="6872231" y="1754871"/>
+              <a:ext cx="1947677" cy="324091"/>
+            </a:xfrm>
+            <a:prstGeom prst="rect">
+              <a:avLst/>
+            </a:prstGeom>
+          </p:spPr>
+          <p:style>
+            <a:lnRef idx="2">
+              <a:schemeClr val="accent1">
+                <a:shade val="50000"/>
+              </a:schemeClr>
+            </a:lnRef>
+            <a:fillRef idx="1">
+              <a:schemeClr val="accent1"/>
+            </a:fillRef>
+            <a:effectRef idx="0">
+              <a:schemeClr val="accent1"/>
+            </a:effectRef>
+            <a:fontRef idx="minor">
+              <a:schemeClr val="lt1"/>
+            </a:fontRef>
+          </p:style>
+          <p:txBody>
+            <a:bodyPr rtlCol="0" anchor="ctr"/>
+            <a:lstStyle/>
+            <a:p>
+              <a:pPr algn="ctr"/>
+              <a:r>
+                <a:rPr lang="de-DE" dirty="0" err="1" smtClean="0"/>
+                <a:t>Loc</a:t>
+              </a:r>
+              <a:r>
+                <a:rPr lang="de-DE" dirty="0" smtClean="0"/>
+                <a:t>-ID</a:t>
+              </a:r>
+              <a:r>
+                <a:rPr lang="de-DE" dirty="0" smtClean="0"/>
+                <a:t> </a:t>
+              </a:r>
+              <a:r>
+                <a:rPr lang="de-DE" dirty="0" err="1" smtClean="0"/>
+                <a:t>Bundsland</a:t>
+              </a:r>
+              <a:endParaRPr lang="de-DE" dirty="0" smtClean="0"/>
+            </a:p>
+          </p:txBody>
+        </p:sp>
+        <p:sp>
+          <p:nvSpPr>
+            <p:cNvPr id="16" name="Rechteck 15"/>
+            <p:cNvSpPr/>
+            <p:nvPr/>
+          </p:nvSpPr>
+          <p:spPr>
+            <a:xfrm>
+              <a:off x="6872231" y="2078962"/>
+              <a:ext cx="1947677" cy="324091"/>
+            </a:xfrm>
+            <a:prstGeom prst="rect">
+              <a:avLst/>
+            </a:prstGeom>
+          </p:spPr>
+          <p:style>
+            <a:lnRef idx="2">
+              <a:schemeClr val="accent1">
+                <a:shade val="50000"/>
+              </a:schemeClr>
+            </a:lnRef>
+            <a:fillRef idx="1">
+              <a:schemeClr val="accent1"/>
+            </a:fillRef>
+            <a:effectRef idx="0">
+              <a:schemeClr val="accent1"/>
+            </a:effectRef>
+            <a:fontRef idx="minor">
+              <a:schemeClr val="lt1"/>
+            </a:fontRef>
+          </p:style>
+          <p:txBody>
+            <a:bodyPr rtlCol="0" anchor="ctr"/>
+            <a:lstStyle/>
+            <a:p>
+              <a:pPr algn="ctr"/>
+              <a:r>
+                <a:rPr lang="de-DE" dirty="0" err="1"/>
+                <a:t>Loc</a:t>
+              </a:r>
+              <a:r>
+                <a:rPr lang="de-DE" dirty="0"/>
+                <a:t>-ID </a:t>
+              </a:r>
+              <a:r>
+                <a:rPr lang="de-DE" dirty="0" smtClean="0"/>
+                <a:t>Kreis</a:t>
+              </a:r>
+              <a:endParaRPr lang="de-DE" dirty="0"/>
+            </a:p>
+          </p:txBody>
+        </p:sp>
+        <p:sp>
+          <p:nvSpPr>
+            <p:cNvPr id="17" name="Rechteck 16"/>
+            <p:cNvSpPr/>
+            <p:nvPr/>
+          </p:nvSpPr>
+          <p:spPr>
+            <a:xfrm>
+              <a:off x="6872230" y="2403053"/>
+              <a:ext cx="1947677" cy="324091"/>
+            </a:xfrm>
+            <a:prstGeom prst="rect">
+              <a:avLst/>
+            </a:prstGeom>
+          </p:spPr>
+          <p:style>
+            <a:lnRef idx="2">
+              <a:schemeClr val="accent1">
+                <a:shade val="50000"/>
+              </a:schemeClr>
+            </a:lnRef>
+            <a:fillRef idx="1">
+              <a:schemeClr val="accent1"/>
+            </a:fillRef>
+            <a:effectRef idx="0">
+              <a:schemeClr val="accent1"/>
+            </a:effectRef>
+            <a:fontRef idx="minor">
+              <a:schemeClr val="lt1"/>
+            </a:fontRef>
+          </p:style>
+          <p:txBody>
+            <a:bodyPr rtlCol="0" anchor="ctr"/>
+            <a:lstStyle/>
+            <a:p>
+              <a:pPr algn="ctr"/>
+              <a:r>
+                <a:rPr lang="de-DE" dirty="0" err="1"/>
+                <a:t>Loc</a:t>
+              </a:r>
+              <a:r>
+                <a:rPr lang="de-DE" dirty="0"/>
+                <a:t>-ID </a:t>
+              </a:r>
+              <a:r>
+                <a:rPr lang="de-DE" dirty="0" smtClean="0"/>
+                <a:t>Stadt</a:t>
+              </a:r>
+              <a:endParaRPr lang="de-DE" dirty="0"/>
+            </a:p>
+          </p:txBody>
+        </p:sp>
+      </p:grpSp>
+      <p:sp>
+        <p:nvSpPr>
+          <p:cNvPr id="18" name="Rechteck 17"/>
+          <p:cNvSpPr/>
+          <p:nvPr/>
+        </p:nvSpPr>
+        <p:spPr>
+          <a:xfrm>
+            <a:off x="4572000" y="2078962"/>
+            <a:ext cx="1947677" cy="324091"/>
+          </a:xfrm>
+          <a:prstGeom prst="rect">
+            <a:avLst/>
+          </a:prstGeom>
+        </p:spPr>
+        <p:style>
+          <a:lnRef idx="2">
+            <a:schemeClr val="accent1">
+              <a:shade val="50000"/>
+            </a:schemeClr>
+          </a:lnRef>
+          <a:fillRef idx="1">
+            <a:schemeClr val="accent1"/>
+          </a:fillRef>
+          <a:effectRef idx="0">
+            <a:schemeClr val="accent1"/>
+          </a:effectRef>
+          <a:fontRef idx="minor">
+            <a:schemeClr val="lt1"/>
+          </a:fontRef>
+        </p:style>
+        <p:txBody>
+          <a:bodyPr rtlCol="0" anchor="ctr"/>
+          <a:lstStyle/>
+          <a:p>
+            <a:pPr algn="ctr"/>
+            <a:r>
+              <a:rPr lang="de-DE" dirty="0" smtClean="0"/>
+              <a:t>Topic</a:t>
+            </a:r>
+          </a:p>
+        </p:txBody>
+      </p:sp>
+      <p:sp>
+        <p:nvSpPr>
+          <p:cNvPr id="19" name="Rechteck 18"/>
+          <p:cNvSpPr/>
+          <p:nvPr/>
+        </p:nvSpPr>
+        <p:spPr>
+          <a:xfrm>
+            <a:off x="4572000" y="2386996"/>
+            <a:ext cx="1947677" cy="324091"/>
+          </a:xfrm>
+          <a:prstGeom prst="rect">
+            <a:avLst/>
+          </a:prstGeom>
+        </p:spPr>
+        <p:style>
+          <a:lnRef idx="2">
+            <a:schemeClr val="accent1">
+              <a:shade val="50000"/>
+            </a:schemeClr>
+          </a:lnRef>
+          <a:fillRef idx="1">
+            <a:schemeClr val="accent1"/>
+          </a:fillRef>
+          <a:effectRef idx="0">
+            <a:schemeClr val="accent1"/>
+          </a:effectRef>
+          <a:fontRef idx="minor">
+            <a:schemeClr val="lt1"/>
+          </a:fontRef>
+        </p:style>
+        <p:txBody>
+          <a:bodyPr rtlCol="0" anchor="ctr"/>
+          <a:lstStyle/>
+          <a:p>
+            <a:pPr algn="ctr"/>
+            <a:r>
+              <a:rPr lang="de-DE" dirty="0" smtClean="0"/>
+              <a:t>Gültig bis</a:t>
+            </a:r>
+          </a:p>
+        </p:txBody>
+      </p:sp>
+      <p:sp>
+        <p:nvSpPr>
+          <p:cNvPr id="28" name="Rechteck 27"/>
+          <p:cNvSpPr/>
+          <p:nvPr/>
+        </p:nvSpPr>
+        <p:spPr>
+          <a:xfrm>
+            <a:off x="578734" y="3610515"/>
+            <a:ext cx="7986532" cy="281715"/>
+          </a:xfrm>
+          <a:prstGeom prst="rect">
+            <a:avLst/>
+          </a:prstGeom>
+        </p:spPr>
+        <p:style>
+          <a:lnRef idx="2">
+            <a:schemeClr val="accent1">
+              <a:shade val="50000"/>
+            </a:schemeClr>
+          </a:lnRef>
+          <a:fillRef idx="1">
+            <a:schemeClr val="accent1"/>
+          </a:fillRef>
+          <a:effectRef idx="0">
+            <a:schemeClr val="accent1"/>
+          </a:effectRef>
+          <a:fontRef idx="minor">
+            <a:schemeClr val="lt1"/>
+          </a:fontRef>
+        </p:style>
+        <p:txBody>
+          <a:bodyPr rtlCol="0" anchor="ctr"/>
+          <a:lstStyle/>
+          <a:p>
+            <a:pPr algn="ctr"/>
+            <a:r>
+              <a:rPr lang="de-DE" dirty="0" smtClean="0"/>
+              <a:t>Externe URL</a:t>
+            </a:r>
+            <a:endParaRPr lang="de-DE" dirty="0"/>
+          </a:p>
+        </p:txBody>
+      </p:sp>
+      <p:sp>
+        <p:nvSpPr>
+          <p:cNvPr id="29" name="Abgerundetes Rechteck 28"/>
+          <p:cNvSpPr/>
+          <p:nvPr/>
+        </p:nvSpPr>
+        <p:spPr>
+          <a:xfrm>
+            <a:off x="8819907" y="4520634"/>
+            <a:ext cx="1947679" cy="721895"/>
+          </a:xfrm>
+          <a:prstGeom prst="roundRect">
+            <a:avLst/>
+          </a:prstGeom>
+        </p:spPr>
+        <p:style>
+          <a:lnRef idx="2">
+            <a:schemeClr val="accent1">
+              <a:shade val="50000"/>
+            </a:schemeClr>
+          </a:lnRef>
+          <a:fillRef idx="1">
+            <a:schemeClr val="accent1"/>
+          </a:fillRef>
+          <a:effectRef idx="0">
+            <a:schemeClr val="accent1"/>
+          </a:effectRef>
+          <a:fontRef idx="minor">
+            <a:schemeClr val="lt1"/>
+          </a:fontRef>
+        </p:style>
+        <p:txBody>
+          <a:bodyPr rtlCol="0" anchor="ctr"/>
+          <a:lstStyle/>
+          <a:p>
+            <a:pPr algn="ctr"/>
+            <a:r>
+              <a:rPr lang="de-DE" dirty="0" smtClean="0"/>
+              <a:t>Speichern</a:t>
+            </a:r>
+            <a:endParaRPr lang="de-DE" dirty="0"/>
+          </a:p>
+        </p:txBody>
+      </p:sp>
+      <p:sp>
+        <p:nvSpPr>
+          <p:cNvPr id="30" name="Abgerundetes Rechteck 29"/>
+          <p:cNvSpPr/>
+          <p:nvPr/>
+        </p:nvSpPr>
+        <p:spPr>
+          <a:xfrm>
+            <a:off x="8819906" y="5256166"/>
+            <a:ext cx="1947679" cy="721895"/>
+          </a:xfrm>
+          <a:prstGeom prst="roundRect">
+            <a:avLst/>
+          </a:prstGeom>
+        </p:spPr>
+        <p:style>
+          <a:lnRef idx="2">
+            <a:schemeClr val="accent1">
+              <a:shade val="50000"/>
+            </a:schemeClr>
+          </a:lnRef>
+          <a:fillRef idx="1">
+            <a:schemeClr val="accent1"/>
+          </a:fillRef>
+          <a:effectRef idx="0">
+            <a:schemeClr val="accent1"/>
+          </a:effectRef>
+          <a:fontRef idx="minor">
+            <a:schemeClr val="lt1"/>
+          </a:fontRef>
+        </p:style>
+        <p:txBody>
+          <a:bodyPr rtlCol="0" anchor="ctr"/>
+          <a:lstStyle/>
+          <a:p>
+            <a:pPr algn="ctr"/>
+            <a:r>
+              <a:rPr lang="de-DE" dirty="0" err="1" smtClean="0"/>
+              <a:t>Publish</a:t>
+            </a:r>
+            <a:endParaRPr lang="de-DE" dirty="0"/>
+          </a:p>
+        </p:txBody>
+      </p:sp>
+    </p:spTree>
+    <p:extLst>
+      <p:ext uri="{BB962C8B-B14F-4D97-AF65-F5344CB8AC3E}">
+        <p14:creationId xmlns:p14="http://schemas.microsoft.com/office/powerpoint/2010/main" val="3561017745"/>
       </p:ext>
     </p:extLst>
   </p:cSld>
